--- a/Documents/論文簡報_V3.pptx
+++ b/Documents/論文簡報_V3.pptx
@@ -3057,6 +3057,55 @@
               </a:rPr>
               <a:t>可客制化：現在存有的智能合約種類多樣，並能依照客戶需求進行修改。</a:t>
             </a:r>
+            <a:endParaRPr lang="en-US" altLang="zh-TW" sz="1100" b="0" i="0" u="none" strike="noStrike" cap="none" dirty="0">
+              <a:solidFill>
+                <a:srgbClr val="000000"/>
+              </a:solidFill>
+              <a:effectLst/>
+              <a:latin typeface="Arial"/>
+              <a:ea typeface="Arial"/>
+              <a:cs typeface="Arial"/>
+              <a:sym typeface="Arial"/>
+            </a:endParaRPr>
+          </a:p>
+          <a:p>
+            <a:pPr fontAlgn="base"/>
+            <a:endParaRPr lang="en-US" altLang="zh-TW" sz="1100" b="0" i="0" u="none" strike="noStrike" cap="none" dirty="0">
+              <a:solidFill>
+                <a:srgbClr val="000000"/>
+              </a:solidFill>
+              <a:effectLst/>
+              <a:latin typeface="Arial"/>
+              <a:ea typeface="Arial"/>
+              <a:cs typeface="Arial"/>
+              <a:sym typeface="Arial"/>
+            </a:endParaRPr>
+          </a:p>
+          <a:p>
+            <a:pPr fontAlgn="base"/>
+            <a:r>
+              <a:rPr lang="zh-TW" altLang="en-US" sz="1100" b="0" i="0" u="none" strike="noStrike" cap="none">
+                <a:solidFill>
+                  <a:srgbClr val="000000"/>
+                </a:solidFill>
+                <a:effectLst/>
+                <a:latin typeface="Arial"/>
+                <a:ea typeface="Arial"/>
+                <a:cs typeface="Arial"/>
+                <a:sym typeface="Arial"/>
+              </a:rPr>
+              <a:t>回應文章要寫進論文</a:t>
+            </a:r>
+            <a:endParaRPr lang="zh-TW" altLang="en-US" sz="1100" b="0" i="0" u="none" strike="noStrike" cap="none" dirty="0">
+              <a:solidFill>
+                <a:srgbClr val="000000"/>
+              </a:solidFill>
+              <a:effectLst/>
+              <a:latin typeface="Arial"/>
+              <a:ea typeface="Arial"/>
+              <a:cs typeface="Arial"/>
+              <a:sym typeface="Arial"/>
+            </a:endParaRPr>
           </a:p>
         </p:txBody>
       </p:sp>

--- a/Documents/論文簡報_V3.pptx
+++ b/Documents/論文簡報_V3.pptx
@@ -41095,7 +41095,7 @@
               </a:lnSpc>
             </a:pPr>
             <a:r>
-              <a:rPr lang="zh-TW" altLang="en-US" sz="2400" dirty="0">
+              <a:rPr lang="zh-TW" altLang="en-US" sz="2400">
                 <a:solidFill>
                   <a:schemeClr val="tx1"/>
                 </a:solidFill>
